--- a/Presentation/Presentation.pptx
+++ b/Presentation/Presentation.pptx
@@ -74,8 +74,8 @@
         </p:nvSpPr>
         <p:spPr>
           <a:xfrm>
-            <a:off x="912600" y="1371600"/>
-            <a:ext cx="5934960" cy="2696040"/>
+            <a:off x="609480" y="273600"/>
+            <a:ext cx="10972440" cy="1144800"/>
           </a:xfrm>
           <a:prstGeom prst="rect">
             <a:avLst/>
@@ -187,8 +187,8 @@
         </p:nvSpPr>
         <p:spPr>
           <a:xfrm>
-            <a:off x="912600" y="1371600"/>
-            <a:ext cx="5934960" cy="2696040"/>
+            <a:off x="609480" y="273600"/>
+            <a:ext cx="10972440" cy="1144800"/>
           </a:xfrm>
           <a:prstGeom prst="rect">
             <a:avLst/>
@@ -360,8 +360,8 @@
         </p:nvSpPr>
         <p:spPr>
           <a:xfrm>
-            <a:off x="912600" y="1371600"/>
-            <a:ext cx="5934960" cy="2696040"/>
+            <a:off x="609480" y="273600"/>
+            <a:ext cx="10972440" cy="1144800"/>
           </a:xfrm>
           <a:prstGeom prst="rect">
             <a:avLst/>
@@ -615,8 +615,8 @@
         </p:nvSpPr>
         <p:spPr>
           <a:xfrm>
-            <a:off x="912600" y="1371600"/>
-            <a:ext cx="5934960" cy="2696040"/>
+            <a:off x="609480" y="273600"/>
+            <a:ext cx="10972440" cy="1144800"/>
           </a:xfrm>
           <a:prstGeom prst="rect">
             <a:avLst/>
@@ -699,8 +699,8 @@
         </p:nvSpPr>
         <p:spPr>
           <a:xfrm>
-            <a:off x="912600" y="1371600"/>
-            <a:ext cx="5934960" cy="2696040"/>
+            <a:off x="609480" y="273600"/>
+            <a:ext cx="10972440" cy="1144800"/>
           </a:xfrm>
           <a:prstGeom prst="rect">
             <a:avLst/>
@@ -782,8 +782,8 @@
         </p:nvSpPr>
         <p:spPr>
           <a:xfrm>
-            <a:off x="912600" y="1371600"/>
-            <a:ext cx="5934960" cy="2696040"/>
+            <a:off x="609480" y="273600"/>
+            <a:ext cx="10972440" cy="1144800"/>
           </a:xfrm>
           <a:prstGeom prst="rect">
             <a:avLst/>
@@ -895,8 +895,8 @@
         </p:nvSpPr>
         <p:spPr>
           <a:xfrm>
-            <a:off x="912600" y="1371600"/>
-            <a:ext cx="5934960" cy="2696040"/>
+            <a:off x="609480" y="273600"/>
+            <a:ext cx="10972440" cy="1144800"/>
           </a:xfrm>
           <a:prstGeom prst="rect">
             <a:avLst/>
@@ -948,8 +948,8 @@
         </p:nvSpPr>
         <p:spPr>
           <a:xfrm>
-            <a:off x="912600" y="1371600"/>
-            <a:ext cx="5934960" cy="12498480"/>
+            <a:off x="609480" y="273600"/>
+            <a:ext cx="10972440" cy="5307840"/>
           </a:xfrm>
           <a:prstGeom prst="rect">
             <a:avLst/>
@@ -1001,8 +1001,8 @@
         </p:nvSpPr>
         <p:spPr>
           <a:xfrm>
-            <a:off x="912600" y="1371600"/>
-            <a:ext cx="5934960" cy="2696040"/>
+            <a:off x="609480" y="273600"/>
+            <a:ext cx="10972440" cy="1144800"/>
           </a:xfrm>
           <a:prstGeom prst="rect">
             <a:avLst/>
@@ -1144,8 +1144,8 @@
         </p:nvSpPr>
         <p:spPr>
           <a:xfrm>
-            <a:off x="912600" y="1371600"/>
-            <a:ext cx="5934960" cy="2696040"/>
+            <a:off x="609480" y="273600"/>
+            <a:ext cx="10972440" cy="1144800"/>
           </a:xfrm>
           <a:prstGeom prst="rect">
             <a:avLst/>
@@ -1228,8 +1228,8 @@
         </p:nvSpPr>
         <p:spPr>
           <a:xfrm>
-            <a:off x="912600" y="1371600"/>
-            <a:ext cx="5934960" cy="2696040"/>
+            <a:off x="609480" y="273600"/>
+            <a:ext cx="10972440" cy="1144800"/>
           </a:xfrm>
           <a:prstGeom prst="rect">
             <a:avLst/>
@@ -1371,8 +1371,8 @@
         </p:nvSpPr>
         <p:spPr>
           <a:xfrm>
-            <a:off x="912600" y="1371600"/>
-            <a:ext cx="5934960" cy="2696040"/>
+            <a:off x="609480" y="273600"/>
+            <a:ext cx="10972440" cy="1144800"/>
           </a:xfrm>
           <a:prstGeom prst="rect">
             <a:avLst/>
@@ -1514,8 +1514,8 @@
         </p:nvSpPr>
         <p:spPr>
           <a:xfrm>
-            <a:off x="912600" y="1371600"/>
-            <a:ext cx="5934960" cy="2696040"/>
+            <a:off x="609480" y="273600"/>
+            <a:ext cx="10972440" cy="1144800"/>
           </a:xfrm>
           <a:prstGeom prst="rect">
             <a:avLst/>
@@ -1627,8 +1627,8 @@
         </p:nvSpPr>
         <p:spPr>
           <a:xfrm>
-            <a:off x="912600" y="1371600"/>
-            <a:ext cx="5934960" cy="2696040"/>
+            <a:off x="609480" y="273600"/>
+            <a:ext cx="10972440" cy="1144800"/>
           </a:xfrm>
           <a:prstGeom prst="rect">
             <a:avLst/>
@@ -1800,8 +1800,8 @@
         </p:nvSpPr>
         <p:spPr>
           <a:xfrm>
-            <a:off x="912600" y="1371600"/>
-            <a:ext cx="5934960" cy="2696040"/>
+            <a:off x="609480" y="273600"/>
+            <a:ext cx="10972440" cy="1144800"/>
           </a:xfrm>
           <a:prstGeom prst="rect">
             <a:avLst/>
@@ -2033,8 +2033,8 @@
         </p:nvSpPr>
         <p:spPr>
           <a:xfrm>
-            <a:off x="912600" y="1371600"/>
-            <a:ext cx="5934960" cy="2696040"/>
+            <a:off x="609480" y="273600"/>
+            <a:ext cx="10972440" cy="1144800"/>
           </a:xfrm>
           <a:prstGeom prst="rect">
             <a:avLst/>
@@ -2116,8 +2116,8 @@
         </p:nvSpPr>
         <p:spPr>
           <a:xfrm>
-            <a:off x="912600" y="1371600"/>
-            <a:ext cx="5934960" cy="2696040"/>
+            <a:off x="609480" y="273600"/>
+            <a:ext cx="10972440" cy="1144800"/>
           </a:xfrm>
           <a:prstGeom prst="rect">
             <a:avLst/>
@@ -2229,8 +2229,8 @@
         </p:nvSpPr>
         <p:spPr>
           <a:xfrm>
-            <a:off x="912600" y="1371600"/>
-            <a:ext cx="5934960" cy="2696040"/>
+            <a:off x="609480" y="273600"/>
+            <a:ext cx="10972440" cy="1144800"/>
           </a:xfrm>
           <a:prstGeom prst="rect">
             <a:avLst/>
@@ -2282,8 +2282,8 @@
         </p:nvSpPr>
         <p:spPr>
           <a:xfrm>
-            <a:off x="912600" y="1371600"/>
-            <a:ext cx="5934960" cy="12498480"/>
+            <a:off x="609480" y="273600"/>
+            <a:ext cx="10972440" cy="5307840"/>
           </a:xfrm>
           <a:prstGeom prst="rect">
             <a:avLst/>
@@ -2335,8 +2335,8 @@
         </p:nvSpPr>
         <p:spPr>
           <a:xfrm>
-            <a:off x="912600" y="1371600"/>
-            <a:ext cx="5934960" cy="2696040"/>
+            <a:off x="609480" y="273600"/>
+            <a:ext cx="10972440" cy="1144800"/>
           </a:xfrm>
           <a:prstGeom prst="rect">
             <a:avLst/>
@@ -2478,8 +2478,8 @@
         </p:nvSpPr>
         <p:spPr>
           <a:xfrm>
-            <a:off x="912600" y="1371600"/>
-            <a:ext cx="5934960" cy="2696040"/>
+            <a:off x="609480" y="273600"/>
+            <a:ext cx="10972440" cy="1144800"/>
           </a:xfrm>
           <a:prstGeom prst="rect">
             <a:avLst/>
@@ -2621,8 +2621,8 @@
         </p:nvSpPr>
         <p:spPr>
           <a:xfrm>
-            <a:off x="912600" y="1371600"/>
-            <a:ext cx="5934960" cy="2696040"/>
+            <a:off x="609480" y="273600"/>
+            <a:ext cx="10972440" cy="1144800"/>
           </a:xfrm>
           <a:prstGeom prst="rect">
             <a:avLst/>
@@ -2804,8 +2804,8 @@
         </p:nvSpPr>
         <p:spPr>
           <a:xfrm>
-            <a:off x="912600" y="1371600"/>
-            <a:ext cx="5934960" cy="2696040"/>
+            <a:off x="609480" y="273600"/>
+            <a:ext cx="10972440" cy="1144800"/>
           </a:xfrm>
           <a:prstGeom prst="rect">
             <a:avLst/>
@@ -2816,19 +2816,14 @@
             <a:noAutofit/>
           </a:bodyPr>
           <a:p>
+            <a:pPr algn="ctr"/>
             <a:r>
-              <a:rPr b="0" lang="it-IT" sz="1800" spc="-1" strike="noStrike">
+              <a:rPr b="0" lang="it-IT" sz="4400" spc="-1" strike="noStrike">
                 <a:latin typeface="Arial"/>
               </a:rPr>
-              <a:t>Fai clic per modificare il </a:t>
+              <a:t>Fai clic per modificare il formato del testo del titolo</a:t>
             </a:r>
-            <a:r>
-              <a:rPr b="0" lang="it-IT" sz="1800" spc="-1" strike="noStrike">
-                <a:latin typeface="Arial"/>
-              </a:rPr>
-              <a:t>formato del testo del titolo</a:t>
-            </a:r>
-            <a:endParaRPr b="0" lang="it-IT" sz="1800" spc="-1" strike="noStrike">
+            <a:endParaRPr b="0" lang="it-IT" sz="4400" spc="-1" strike="noStrike">
               <a:latin typeface="Arial"/>
             </a:endParaRPr>
           </a:p>
@@ -3103,7 +3098,7 @@
         <p:spPr>
           <a:xfrm>
             <a:off x="912600" y="1371600"/>
-            <a:ext cx="5934960" cy="2696040"/>
+            <a:ext cx="5934240" cy="2695320"/>
           </a:xfrm>
           <a:prstGeom prst="rect">
             <a:avLst/>
@@ -3118,55 +3113,7 @@
               <a:rPr b="0" lang="it-IT" sz="1800" spc="-1" strike="noStrike">
                 <a:latin typeface="Arial"/>
               </a:rPr>
-              <a:t>Fai clic </a:t>
-            </a:r>
-            <a:r>
-              <a:rPr b="0" lang="it-IT" sz="1800" spc="-1" strike="noStrike">
-                <a:latin typeface="Arial"/>
-              </a:rPr>
-              <a:t>per </a:t>
-            </a:r>
-            <a:r>
-              <a:rPr b="0" lang="it-IT" sz="1800" spc="-1" strike="noStrike">
-                <a:latin typeface="Arial"/>
-              </a:rPr>
-              <a:t>modific</a:t>
-            </a:r>
-            <a:r>
-              <a:rPr b="0" lang="it-IT" sz="1800" spc="-1" strike="noStrike">
-                <a:latin typeface="Arial"/>
-              </a:rPr>
-              <a:t>are il </a:t>
-            </a:r>
-            <a:r>
-              <a:rPr b="0" lang="it-IT" sz="1800" spc="-1" strike="noStrike">
-                <a:latin typeface="Arial"/>
-              </a:rPr>
-              <a:t>format</a:t>
-            </a:r>
-            <a:r>
-              <a:rPr b="0" lang="it-IT" sz="1800" spc="-1" strike="noStrike">
-                <a:latin typeface="Arial"/>
-              </a:rPr>
-              <a:t>o del </a:t>
-            </a:r>
-            <a:r>
-              <a:rPr b="0" lang="it-IT" sz="1800" spc="-1" strike="noStrike">
-                <a:latin typeface="Arial"/>
-              </a:rPr>
-              <a:t>testo </a:t>
-            </a:r>
-            <a:r>
-              <a:rPr b="0" lang="it-IT" sz="1800" spc="-1" strike="noStrike">
-                <a:latin typeface="Arial"/>
-              </a:rPr>
-              <a:t>del </a:t>
-            </a:r>
-            <a:r>
-              <a:rPr b="0" lang="it-IT" sz="1800" spc="-1" strike="noStrike">
-                <a:latin typeface="Arial"/>
-              </a:rPr>
-              <a:t>titolo</a:t>
+              <a:t>Fai clic per modificare il formato del testo del titolo</a:t>
             </a:r>
             <a:endParaRPr b="0" lang="it-IT" sz="1800" spc="-1" strike="noStrike">
               <a:latin typeface="Arial"/>
@@ -3187,7 +3134,7 @@
         <p:spPr>
           <a:xfrm>
             <a:off x="609480" y="1604520"/>
-            <a:ext cx="5353920" cy="3976920"/>
+            <a:ext cx="5353920" cy="3976560"/>
           </a:xfrm>
           <a:prstGeom prst="rect">
             <a:avLst/>
@@ -3366,7 +3313,7 @@
         <p:spPr>
           <a:xfrm>
             <a:off x="6231960" y="1604520"/>
-            <a:ext cx="5353920" cy="3976920"/>
+            <a:ext cx="5353920" cy="3976560"/>
           </a:xfrm>
           <a:prstGeom prst="rect">
             <a:avLst/>
@@ -3618,7 +3565,7 @@
         <p:spPr>
           <a:xfrm>
             <a:off x="0" y="0"/>
-            <a:ext cx="12191400" cy="6857280"/>
+            <a:ext cx="12190680" cy="6856560"/>
           </a:xfrm>
           <a:prstGeom prst="rect">
             <a:avLst/>
@@ -3659,7 +3606,7 @@
         <p:spPr>
           <a:xfrm>
             <a:off x="0" y="0"/>
-            <a:ext cx="6511680" cy="6857280"/>
+            <a:ext cx="6510960" cy="6856560"/>
           </a:xfrm>
           <a:prstGeom prst="rect">
             <a:avLst/>
@@ -3711,7 +3658,7 @@
         <p:spPr>
           <a:xfrm>
             <a:off x="7353000" y="1266840"/>
-            <a:ext cx="3924000" cy="4674240"/>
+            <a:ext cx="3923280" cy="4673520"/>
           </a:xfrm>
           <a:prstGeom prst="rect">
             <a:avLst/>
@@ -3729,7 +3676,7 @@
         </p:style>
         <p:txBody>
           <a:bodyPr lIns="90000" rIns="90000" tIns="45000" bIns="45000" anchor="b">
-            <a:normAutofit fontScale="84000"/>
+            <a:normAutofit fontScale="89000"/>
           </a:bodyPr>
           <a:p>
             <a:pPr>
@@ -3760,32 +3707,35 @@
               </a:tabLst>
             </a:pPr>
             <a:r>
-              <a:rPr b="1" lang="en-US" sz="1300" spc="296" strike="noStrike" cap="all">
+              <a:rPr b="1" lang="en-US" sz="1300" spc="290" strike="noStrike" cap="all">
                 <a:solidFill>
                   <a:srgbClr val="000000"/>
                 </a:solidFill>
                 <a:latin typeface="Grandview Display"/>
+                <a:ea typeface="DejaVu Sans"/>
               </a:rPr>
               <a:t>University of Trento</a:t>
             </a:r>
             <a:br/>
             <a:r>
-              <a:rPr b="1" lang="en-US" sz="1500" spc="296" strike="noStrike" cap="all">
+              <a:rPr b="1" lang="en-US" sz="1500" spc="290" strike="noStrike" cap="all">
                 <a:solidFill>
                   <a:srgbClr val="000000"/>
                 </a:solidFill>
                 <a:latin typeface="Grandview Display"/>
+                <a:ea typeface="DejaVu Sans"/>
               </a:rPr>
               <a:t>Next Generation Networks</a:t>
             </a:r>
             <a:br/>
             <a:br/>
             <a:r>
-              <a:rPr b="1" lang="en-US" sz="1800" spc="296" strike="noStrike" cap="all">
+              <a:rPr b="1" lang="en-US" sz="1800" spc="290" strike="noStrike" cap="all">
                 <a:solidFill>
                   <a:srgbClr val="000000"/>
                 </a:solidFill>
                 <a:latin typeface="Grandview Display"/>
+                <a:ea typeface="DejaVu Sans"/>
               </a:rPr>
               <a:t>Import and analyze online networking datasets</a:t>
             </a:r>
@@ -3854,11 +3804,12 @@
               </a:tabLst>
             </a:pPr>
             <a:r>
-              <a:rPr b="1" lang="en-US" sz="1400" spc="296" strike="noStrike" cap="all">
+              <a:rPr b="1" lang="en-US" sz="1400" spc="290" strike="noStrike" cap="all">
                 <a:solidFill>
                   <a:srgbClr val="000000"/>
                 </a:solidFill>
                 <a:latin typeface="Grandview Display"/>
+                <a:ea typeface="DejaVu Sans"/>
               </a:rPr>
               <a:t>Ettore Saggiorato </a:t>
             </a:r>
@@ -3879,11 +3830,12 @@
               </a:tabLst>
             </a:pPr>
             <a:r>
-              <a:rPr b="1" lang="en-US" sz="1400" spc="296" strike="noStrike" cap="all">
+              <a:rPr b="1" lang="en-US" sz="1400" spc="290" strike="noStrike" cap="all">
                 <a:solidFill>
                   <a:srgbClr val="000000"/>
                 </a:solidFill>
                 <a:latin typeface="Grandview Display"/>
+                <a:ea typeface="DejaVu Sans"/>
               </a:rPr>
               <a:t>Stiven Sharra</a:t>
             </a:r>
@@ -3904,11 +3856,12 @@
               </a:tabLst>
             </a:pPr>
             <a:r>
-              <a:rPr b="1" lang="en-US" sz="1400" spc="296" strike="noStrike" cap="all">
+              <a:rPr b="1" lang="en-US" sz="1400" spc="290" strike="noStrike" cap="all">
                 <a:solidFill>
                   <a:srgbClr val="000000"/>
                 </a:solidFill>
                 <a:latin typeface="Grandview Display"/>
+                <a:ea typeface="DejaVu Sans"/>
               </a:rPr>
               <a:t>Prof. Fabrizio Granelli</a:t>
             </a:r>
@@ -3929,12 +3882,13 @@
               </a:tabLst>
             </a:pPr>
             <a:r>
-              <a:rPr b="1" lang="en-US" sz="1400" spc="296" strike="noStrike" u="sng" cap="all">
+              <a:rPr b="1" lang="en-US" sz="1400" spc="290" strike="noStrike" u="sng" cap="all">
                 <a:solidFill>
                   <a:srgbClr val="5265c5"/>
                 </a:solidFill>
                 <a:uFillTx/>
                 <a:latin typeface="Grandview Display"/>
+                <a:ea typeface="DejaVu Sans"/>
                 <a:hlinkClick r:id="rId2"/>
               </a:rPr>
               <a:t>Repository</a:t>
@@ -3984,7 +3938,7 @@
         <p:spPr>
           <a:xfrm>
             <a:off x="914400" y="1371600"/>
-            <a:ext cx="10362600" cy="1313640"/>
+            <a:ext cx="10361880" cy="1312920"/>
           </a:xfrm>
           <a:prstGeom prst="rect">
             <a:avLst/>
@@ -4016,6 +3970,7 @@
                   <a:srgbClr val="000000"/>
                 </a:solidFill>
                 <a:latin typeface="Grandview Display"/>
+                <a:ea typeface="DejaVu Sans"/>
               </a:rPr>
               <a:t>Classifiers - Drones</a:t>
             </a:r>
@@ -4038,7 +3993,7 @@
         <p:spPr>
           <a:xfrm>
             <a:off x="914400" y="2980800"/>
-            <a:ext cx="3292920" cy="2194920"/>
+            <a:ext cx="3292200" cy="2194200"/>
           </a:xfrm>
           <a:prstGeom prst="rect">
             <a:avLst/>
@@ -4061,7 +4016,7 @@
         <p:spPr>
           <a:xfrm>
             <a:off x="4449240" y="2980800"/>
-            <a:ext cx="3292920" cy="2194920"/>
+            <a:ext cx="3292200" cy="2194200"/>
           </a:xfrm>
           <a:prstGeom prst="rect">
             <a:avLst/>
@@ -4084,7 +4039,7 @@
         <p:spPr>
           <a:xfrm>
             <a:off x="7983720" y="2980800"/>
-            <a:ext cx="3292920" cy="2194920"/>
+            <a:ext cx="3292200" cy="2194200"/>
           </a:xfrm>
           <a:prstGeom prst="rect">
             <a:avLst/>
@@ -4103,7 +4058,7 @@
         <p:spPr>
           <a:xfrm>
             <a:off x="1317240" y="5408640"/>
-            <a:ext cx="3292920" cy="638640"/>
+            <a:ext cx="3292200" cy="638280"/>
           </a:xfrm>
           <a:prstGeom prst="rect">
             <a:avLst/>
@@ -4137,7 +4092,7 @@
                 <a:latin typeface="Grandview Display"/>
                 <a:ea typeface="DejaVu Sans"/>
               </a:rPr>
-              <a:t>Score(HH): 0.55</a:t>
+              <a:t>Score(HH): 0.61</a:t>
             </a:r>
             <a:endParaRPr b="0" lang="it-IT" sz="1800" spc="-1" strike="noStrike">
               <a:latin typeface="Arial"/>
@@ -4174,7 +4129,7 @@
         <p:spPr>
           <a:xfrm>
             <a:off x="4851720" y="5408640"/>
-            <a:ext cx="3292920" cy="638640"/>
+            <a:ext cx="3292200" cy="638280"/>
           </a:xfrm>
           <a:prstGeom prst="rect">
             <a:avLst/>
@@ -4208,7 +4163,7 @@
                 <a:latin typeface="Grandview Display"/>
                 <a:ea typeface="DejaVu Sans"/>
               </a:rPr>
-              <a:t>Score(HH): 0.48</a:t>
+              <a:t>Score(HH): 0.49</a:t>
             </a:r>
             <a:endParaRPr b="0" lang="it-IT" sz="1800" spc="-1" strike="noStrike">
               <a:latin typeface="Arial"/>
@@ -4245,7 +4200,7 @@
         <p:spPr>
           <a:xfrm>
             <a:off x="8386560" y="5408640"/>
-            <a:ext cx="3292920" cy="638640"/>
+            <a:ext cx="3292200" cy="638280"/>
           </a:xfrm>
           <a:prstGeom prst="rect">
             <a:avLst/>
@@ -4299,7 +4254,7 @@
                 <a:latin typeface="Grandview Display"/>
                 <a:ea typeface="DejaVu Sans"/>
               </a:rPr>
-              <a:t>Score(VV): 0.575</a:t>
+              <a:t>Score(VV): 0.6</a:t>
             </a:r>
             <a:endParaRPr b="0" lang="it-IT" sz="1800" spc="-1" strike="noStrike">
               <a:latin typeface="Arial"/>
@@ -4351,7 +4306,7 @@
         <p:spPr>
           <a:xfrm>
             <a:off x="0" y="0"/>
-            <a:ext cx="6511680" cy="6857280"/>
+            <a:ext cx="6510960" cy="6856560"/>
           </a:xfrm>
           <a:prstGeom prst="rect">
             <a:avLst/>
@@ -4370,7 +4325,7 @@
         <p:spPr>
           <a:xfrm>
             <a:off x="7353000" y="1266840"/>
-            <a:ext cx="3924000" cy="4674240"/>
+            <a:ext cx="3923280" cy="4673520"/>
           </a:xfrm>
           <a:prstGeom prst="rect">
             <a:avLst/>
@@ -4388,7 +4343,7 @@
         </p:style>
         <p:txBody>
           <a:bodyPr lIns="90000" rIns="90000" tIns="45000" bIns="45000" anchor="b">
-            <a:normAutofit fontScale="84000"/>
+            <a:normAutofit fontScale="89000"/>
           </a:bodyPr>
           <a:p>
             <a:pPr>
@@ -4419,32 +4374,35 @@
               </a:tabLst>
             </a:pPr>
             <a:r>
-              <a:rPr b="1" lang="en-US" sz="1300" spc="296" strike="noStrike" cap="all">
+              <a:rPr b="1" lang="en-US" sz="1300" spc="290" strike="noStrike" cap="all">
                 <a:solidFill>
                   <a:srgbClr val="000000"/>
                 </a:solidFill>
                 <a:latin typeface="Grandview Display"/>
+                <a:ea typeface="DejaVu Sans"/>
               </a:rPr>
               <a:t>University of Trento</a:t>
             </a:r>
             <a:br/>
             <a:r>
-              <a:rPr b="1" lang="en-US" sz="1500" spc="296" strike="noStrike" cap="all">
+              <a:rPr b="1" lang="en-US" sz="1500" spc="290" strike="noStrike" cap="all">
                 <a:solidFill>
                   <a:srgbClr val="000000"/>
                 </a:solidFill>
                 <a:latin typeface="Grandview Display"/>
+                <a:ea typeface="DejaVu Sans"/>
               </a:rPr>
               <a:t>Next Generation Networks</a:t>
             </a:r>
             <a:br/>
             <a:br/>
             <a:r>
-              <a:rPr b="1" lang="en-US" sz="1800" spc="296" strike="noStrike" cap="all">
+              <a:rPr b="1" lang="en-US" sz="1800" spc="290" strike="noStrike" cap="all">
                 <a:solidFill>
                   <a:srgbClr val="000000"/>
                 </a:solidFill>
                 <a:latin typeface="Grandview Display"/>
+                <a:ea typeface="DejaVu Sans"/>
               </a:rPr>
               <a:t>Import and analyze online networking datasets</a:t>
             </a:r>
@@ -4513,11 +4471,12 @@
               </a:tabLst>
             </a:pPr>
             <a:r>
-              <a:rPr b="1" lang="en-US" sz="1400" spc="296" strike="noStrike" cap="all">
+              <a:rPr b="1" lang="en-US" sz="1400" spc="290" strike="noStrike" cap="all">
                 <a:solidFill>
                   <a:srgbClr val="000000"/>
                 </a:solidFill>
                 <a:latin typeface="Grandview Display"/>
+                <a:ea typeface="DejaVu Sans"/>
               </a:rPr>
               <a:t>Ettore Saggiorato </a:t>
             </a:r>
@@ -4538,11 +4497,12 @@
               </a:tabLst>
             </a:pPr>
             <a:r>
-              <a:rPr b="1" lang="en-US" sz="1400" spc="296" strike="noStrike" cap="all">
+              <a:rPr b="1" lang="en-US" sz="1400" spc="290" strike="noStrike" cap="all">
                 <a:solidFill>
                   <a:srgbClr val="000000"/>
                 </a:solidFill>
                 <a:latin typeface="Grandview Display"/>
+                <a:ea typeface="DejaVu Sans"/>
               </a:rPr>
               <a:t>Stiven Sharra</a:t>
             </a:r>
@@ -4563,11 +4523,12 @@
               </a:tabLst>
             </a:pPr>
             <a:r>
-              <a:rPr b="1" lang="en-US" sz="1400" spc="296" strike="noStrike" cap="all">
+              <a:rPr b="1" lang="en-US" sz="1400" spc="290" strike="noStrike" cap="all">
                 <a:solidFill>
                   <a:srgbClr val="000000"/>
                 </a:solidFill>
                 <a:latin typeface="Grandview Display"/>
+                <a:ea typeface="DejaVu Sans"/>
               </a:rPr>
               <a:t>Prof. Fabrizio Granelli</a:t>
             </a:r>
@@ -4588,12 +4549,13 @@
               </a:tabLst>
             </a:pPr>
             <a:r>
-              <a:rPr b="1" lang="en-US" sz="1400" spc="296" strike="noStrike" u="sng" cap="all">
+              <a:rPr b="1" lang="en-US" sz="1400" spc="290" strike="noStrike" u="sng" cap="all">
                 <a:solidFill>
                   <a:srgbClr val="5265c5"/>
                 </a:solidFill>
                 <a:uFillTx/>
                 <a:latin typeface="Grandview Display"/>
+                <a:ea typeface="DejaVu Sans"/>
                 <a:hlinkClick r:id="rId2"/>
               </a:rPr>
               <a:t>Repository</a:t>
@@ -4643,7 +4605,7 @@
         <p:spPr>
           <a:xfrm>
             <a:off x="914400" y="1371600"/>
-            <a:ext cx="10362600" cy="1313640"/>
+            <a:ext cx="10361880" cy="1312920"/>
           </a:xfrm>
           <a:prstGeom prst="rect">
             <a:avLst/>
@@ -4675,6 +4637,7 @@
                   <a:srgbClr val="000000"/>
                 </a:solidFill>
                 <a:latin typeface="Grandview Display"/>
+                <a:ea typeface="DejaVu Sans"/>
               </a:rPr>
               <a:t>GOAL</a:t>
             </a:r>
@@ -4693,7 +4656,7 @@
         <p:spPr>
           <a:xfrm>
             <a:off x="914400" y="2849400"/>
-            <a:ext cx="10362600" cy="3209760"/>
+            <a:ext cx="10361880" cy="3209040"/>
           </a:xfrm>
           <a:prstGeom prst="rect">
             <a:avLst/>
@@ -4714,7 +4677,7 @@
             <a:noAutofit/>
           </a:bodyPr>
           <a:p>
-            <a:pPr marL="228600" indent="-227880">
+            <a:pPr marL="228600" indent="-227160">
               <a:lnSpc>
                 <a:spcPct val="120000"/>
               </a:lnSpc>
@@ -4734,6 +4697,7 @@
                   <a:srgbClr val="000000"/>
                 </a:solidFill>
                 <a:latin typeface="Grandview Display"/>
+                <a:ea typeface="DejaVu Sans"/>
               </a:rPr>
               <a:t>Build a software for automated processing and visualization of extracted information from online datasets</a:t>
             </a:r>
@@ -4755,7 +4719,7 @@
             </a:endParaRPr>
           </a:p>
           <a:p>
-            <a:pPr marL="228600" indent="-227880">
+            <a:pPr marL="228600" indent="-227160">
               <a:lnSpc>
                 <a:spcPct val="120000"/>
               </a:lnSpc>
@@ -4775,6 +4739,7 @@
                   <a:srgbClr val="000000"/>
                 </a:solidFill>
                 <a:latin typeface="Grandview Display"/>
+                <a:ea typeface="DejaVu Sans"/>
               </a:rPr>
               <a:t>Build a Software for distinction of drones according to RCS measurments</a:t>
             </a:r>
@@ -4823,7 +4788,7 @@
         <p:spPr>
           <a:xfrm>
             <a:off x="914400" y="1371600"/>
-            <a:ext cx="10362600" cy="1313640"/>
+            <a:ext cx="10361880" cy="1312920"/>
           </a:xfrm>
           <a:prstGeom prst="rect">
             <a:avLst/>
@@ -4855,6 +4820,7 @@
                   <a:srgbClr val="000000"/>
                 </a:solidFill>
                 <a:latin typeface="Grandview Display"/>
+                <a:ea typeface="DejaVu Sans"/>
               </a:rPr>
               <a:t>TABLE 2</a:t>
             </a:r>
@@ -4877,7 +4843,7 @@
         <p:spPr>
           <a:xfrm>
             <a:off x="2569680" y="2426040"/>
-            <a:ext cx="7051680" cy="4187880"/>
+            <a:ext cx="7050960" cy="4187160"/>
           </a:xfrm>
           <a:prstGeom prst="rect">
             <a:avLst/>
@@ -4926,7 +4892,7 @@
         <p:spPr>
           <a:xfrm>
             <a:off x="914400" y="1371600"/>
-            <a:ext cx="10362600" cy="1313640"/>
+            <a:ext cx="10361880" cy="1312920"/>
           </a:xfrm>
           <a:prstGeom prst="rect">
             <a:avLst/>
@@ -4958,6 +4924,7 @@
                   <a:srgbClr val="000000"/>
                 </a:solidFill>
                 <a:latin typeface="Grandview Display"/>
+                <a:ea typeface="DejaVu Sans"/>
               </a:rPr>
               <a:t>mean(RCS) comparison</a:t>
             </a:r>
@@ -4980,7 +4947,7 @@
         <p:spPr>
           <a:xfrm>
             <a:off x="1059480" y="2849400"/>
-            <a:ext cx="4814280" cy="3209040"/>
+            <a:ext cx="4813560" cy="3208320"/>
           </a:xfrm>
           <a:prstGeom prst="rect">
             <a:avLst/>
@@ -4999,7 +4966,7 @@
         <p:spPr>
           <a:xfrm>
             <a:off x="6172200" y="2849400"/>
-            <a:ext cx="5104800" cy="3209760"/>
+            <a:ext cx="5104080" cy="3209040"/>
           </a:xfrm>
           <a:prstGeom prst="rect">
             <a:avLst/>
@@ -5020,7 +4987,7 @@
             <a:normAutofit fontScale="85000"/>
           </a:bodyPr>
           <a:p>
-            <a:pPr marL="228600" indent="-227880">
+            <a:pPr marL="228600" indent="-227160">
               <a:lnSpc>
                 <a:spcPct val="120000"/>
               </a:lnSpc>
@@ -5040,6 +5007,7 @@
                   <a:srgbClr val="000000"/>
                 </a:solidFill>
                 <a:latin typeface="Grandview Display"/>
+                <a:ea typeface="DejaVu Sans"/>
               </a:rPr>
               <a:t>mean(RCS) of group I and II are significantly different</a:t>
             </a:r>
@@ -5048,7 +5016,7 @@
             </a:endParaRPr>
           </a:p>
           <a:p>
-            <a:pPr marL="228600" indent="-227880">
+            <a:pPr marL="228600" indent="-227160">
               <a:lnSpc>
                 <a:spcPct val="120000"/>
               </a:lnSpc>
@@ -5068,6 +5036,7 @@
                   <a:srgbClr val="000000"/>
                 </a:solidFill>
                 <a:latin typeface="Grandview Display"/>
+                <a:ea typeface="DejaVu Sans"/>
               </a:rPr>
               <a:t>mean(RCS) </a:t>
             </a:r>
@@ -5077,6 +5046,7 @@
                   <a:srgbClr val="000000"/>
                 </a:solidFill>
                 <a:latin typeface="Grandview Display"/>
+                <a:ea typeface="DejaVu Sans"/>
               </a:rPr>
               <a:t>it grows increasing frequency, but it does not depend on the group or single drone</a:t>
             </a:r>
@@ -5085,7 +5055,7 @@
             </a:endParaRPr>
           </a:p>
           <a:p>
-            <a:pPr marL="228600" indent="-227880">
+            <a:pPr marL="228600" indent="-227160">
               <a:lnSpc>
                 <a:spcPct val="120000"/>
               </a:lnSpc>
@@ -5105,6 +5075,7 @@
                   <a:srgbClr val="000000"/>
                 </a:solidFill>
                 <a:latin typeface="Grandview Display"/>
+                <a:ea typeface="DejaVu Sans"/>
               </a:rPr>
               <a:t>Therefore, it is not necessary to use ALL the frequencies in the statistical model, and we can limit ourselves to a few (see table 2 of the paper)</a:t>
             </a:r>
@@ -5153,7 +5124,7 @@
         <p:spPr>
           <a:xfrm>
             <a:off x="914400" y="1371600"/>
-            <a:ext cx="10362600" cy="1313640"/>
+            <a:ext cx="10361880" cy="1312920"/>
           </a:xfrm>
           <a:prstGeom prst="rect">
             <a:avLst/>
@@ -5185,6 +5156,7 @@
                   <a:srgbClr val="000000"/>
                 </a:solidFill>
                 <a:latin typeface="Grandview Display"/>
+                <a:ea typeface="DejaVu Sans"/>
               </a:rPr>
               <a:t>Std comparison</a:t>
             </a:r>
@@ -5207,7 +5179,7 @@
         <p:spPr>
           <a:xfrm>
             <a:off x="1059480" y="2849400"/>
-            <a:ext cx="4814280" cy="3209040"/>
+            <a:ext cx="4813560" cy="3208320"/>
           </a:xfrm>
           <a:prstGeom prst="rect">
             <a:avLst/>
@@ -5226,7 +5198,7 @@
         <p:spPr>
           <a:xfrm>
             <a:off x="6172200" y="2849400"/>
-            <a:ext cx="5104800" cy="3209760"/>
+            <a:ext cx="5104080" cy="3209040"/>
           </a:xfrm>
           <a:prstGeom prst="rect">
             <a:avLst/>
@@ -5247,7 +5219,7 @@
             <a:noAutofit/>
           </a:bodyPr>
           <a:p>
-            <a:pPr marL="228600" indent="-227880">
+            <a:pPr marL="228600" indent="-227160">
               <a:lnSpc>
                 <a:spcPct val="120000"/>
               </a:lnSpc>
@@ -5267,6 +5239,7 @@
                   <a:srgbClr val="000000"/>
                 </a:solidFill>
                 <a:latin typeface="Grandview Display"/>
+                <a:ea typeface="DejaVu Sans"/>
               </a:rPr>
               <a:t>The Std does not depend on the drone or on the frequency</a:t>
             </a:r>
@@ -5275,7 +5248,7 @@
             </a:endParaRPr>
           </a:p>
           <a:p>
-            <a:pPr marL="228600" indent="-227880">
+            <a:pPr marL="228600" indent="-227160">
               <a:lnSpc>
                 <a:spcPct val="120000"/>
               </a:lnSpc>
@@ -5295,6 +5268,7 @@
                   <a:srgbClr val="000000"/>
                 </a:solidFill>
                 <a:latin typeface="Grandview Display"/>
+                <a:ea typeface="DejaVu Sans"/>
               </a:rPr>
               <a:t>difference of an order of magnitude</a:t>
             </a:r>
@@ -5303,7 +5277,7 @@
             </a:endParaRPr>
           </a:p>
           <a:p>
-            <a:pPr marL="228600" indent="-227880">
+            <a:pPr marL="228600" indent="-227160">
               <a:lnSpc>
                 <a:spcPct val="120000"/>
               </a:lnSpc>
@@ -5323,6 +5297,7 @@
                   <a:srgbClr val="000000"/>
                 </a:solidFill>
                 <a:latin typeface="Grandview Display"/>
+                <a:ea typeface="DejaVu Sans"/>
               </a:rPr>
               <a:t> </a:t>
             </a:r>
@@ -5332,6 +5307,7 @@
                   <a:srgbClr val="000000"/>
                 </a:solidFill>
                 <a:latin typeface="Grandview Display"/>
+                <a:ea typeface="DejaVu Sans"/>
               </a:rPr>
               <a:t>we don't use it in the statistical model</a:t>
             </a:r>
@@ -5380,7 +5356,7 @@
         <p:spPr>
           <a:xfrm>
             <a:off x="914400" y="1371600"/>
-            <a:ext cx="10362600" cy="1313640"/>
+            <a:ext cx="10361880" cy="1312920"/>
           </a:xfrm>
           <a:prstGeom prst="rect">
             <a:avLst/>
@@ -5412,6 +5388,7 @@
                   <a:srgbClr val="000000"/>
                 </a:solidFill>
                 <a:latin typeface="Grandview Display"/>
+                <a:ea typeface="DejaVu Sans"/>
               </a:rPr>
               <a:t>HH – VV comparison</a:t>
             </a:r>
@@ -5434,7 +5411,7 @@
         <p:spPr>
           <a:xfrm>
             <a:off x="0" y="3898080"/>
-            <a:ext cx="2630880" cy="1753920"/>
+            <a:ext cx="2630160" cy="1753200"/>
           </a:xfrm>
           <a:prstGeom prst="rect">
             <a:avLst/>
@@ -5457,7 +5434,7 @@
         <p:spPr>
           <a:xfrm>
             <a:off x="2405880" y="3898080"/>
-            <a:ext cx="2630880" cy="1753920"/>
+            <a:ext cx="2630160" cy="1753200"/>
           </a:xfrm>
           <a:prstGeom prst="rect">
             <a:avLst/>
@@ -5480,7 +5457,7 @@
         <p:spPr>
           <a:xfrm>
             <a:off x="4811400" y="3898080"/>
-            <a:ext cx="2630880" cy="1753920"/>
+            <a:ext cx="2630160" cy="1753200"/>
           </a:xfrm>
           <a:prstGeom prst="rect">
             <a:avLst/>
@@ -5503,7 +5480,7 @@
         <p:spPr>
           <a:xfrm>
             <a:off x="7217280" y="3898080"/>
-            <a:ext cx="2630880" cy="1753920"/>
+            <a:ext cx="2630160" cy="1753200"/>
           </a:xfrm>
           <a:prstGeom prst="rect">
             <a:avLst/>
@@ -5526,7 +5503,7 @@
         <p:spPr>
           <a:xfrm>
             <a:off x="9623160" y="3898080"/>
-            <a:ext cx="2630880" cy="1753920"/>
+            <a:ext cx="2630160" cy="1753200"/>
           </a:xfrm>
           <a:prstGeom prst="rect">
             <a:avLst/>
@@ -5549,7 +5526,7 @@
         <p:spPr>
           <a:xfrm>
             <a:off x="0" y="2067840"/>
-            <a:ext cx="2630880" cy="1753920"/>
+            <a:ext cx="2630160" cy="1753200"/>
           </a:xfrm>
           <a:prstGeom prst="rect">
             <a:avLst/>
@@ -5572,7 +5549,7 @@
         <p:spPr>
           <a:xfrm>
             <a:off x="2405880" y="2067840"/>
-            <a:ext cx="2630880" cy="1753920"/>
+            <a:ext cx="2630160" cy="1753200"/>
           </a:xfrm>
           <a:prstGeom prst="rect">
             <a:avLst/>
@@ -5595,7 +5572,7 @@
         <p:spPr>
           <a:xfrm>
             <a:off x="4811400" y="2067840"/>
-            <a:ext cx="2630880" cy="1753920"/>
+            <a:ext cx="2630160" cy="1753200"/>
           </a:xfrm>
           <a:prstGeom prst="rect">
             <a:avLst/>
@@ -5618,7 +5595,7 @@
         <p:spPr>
           <a:xfrm>
             <a:off x="7217280" y="2067840"/>
-            <a:ext cx="2630880" cy="1753920"/>
+            <a:ext cx="2630160" cy="1753200"/>
           </a:xfrm>
           <a:prstGeom prst="rect">
             <a:avLst/>
@@ -5641,7 +5618,7 @@
         <p:spPr>
           <a:xfrm>
             <a:off x="9623160" y="2067840"/>
-            <a:ext cx="2630880" cy="1753920"/>
+            <a:ext cx="2630160" cy="1753200"/>
           </a:xfrm>
           <a:prstGeom prst="rect">
             <a:avLst/>
@@ -5690,7 +5667,7 @@
         <p:spPr>
           <a:xfrm>
             <a:off x="914400" y="1220040"/>
-            <a:ext cx="10362600" cy="1313640"/>
+            <a:ext cx="10361880" cy="1312920"/>
           </a:xfrm>
           <a:prstGeom prst="rect">
             <a:avLst/>
@@ -5722,6 +5699,7 @@
                   <a:srgbClr val="000000"/>
                 </a:solidFill>
                 <a:latin typeface="Grandview Display"/>
+                <a:ea typeface="DejaVu Sans"/>
               </a:rPr>
               <a:t>Cross - polarization</a:t>
             </a:r>
@@ -5744,7 +5722,7 @@
         <p:spPr>
           <a:xfrm>
             <a:off x="172080" y="2251440"/>
-            <a:ext cx="3304080" cy="2202480"/>
+            <a:ext cx="3303360" cy="2201760"/>
           </a:xfrm>
           <a:prstGeom prst="rect">
             <a:avLst/>
@@ -5763,7 +5741,7 @@
         <p:spPr>
           <a:xfrm>
             <a:off x="6172200" y="2849400"/>
-            <a:ext cx="5104800" cy="3209760"/>
+            <a:ext cx="5104080" cy="3209040"/>
           </a:xfrm>
           <a:prstGeom prst="rect">
             <a:avLst/>
@@ -5784,7 +5762,7 @@
             <a:normAutofit/>
           </a:bodyPr>
           <a:p>
-            <a:pPr marL="228600" indent="-227880">
+            <a:pPr marL="228600" indent="-227160">
               <a:lnSpc>
                 <a:spcPct val="120000"/>
               </a:lnSpc>
@@ -5804,6 +5782,7 @@
                   <a:srgbClr val="000000"/>
                 </a:solidFill>
                 <a:latin typeface="Grandview Display"/>
+                <a:ea typeface="DejaVu Sans"/>
               </a:rPr>
               <a:t>HV cross-polarizations give small RCS compared to HH and VV, mean and std are smaller.</a:t>
             </a:r>
@@ -5812,7 +5791,7 @@
             </a:endParaRPr>
           </a:p>
           <a:p>
-            <a:pPr marL="228600" indent="-227880">
+            <a:pPr marL="228600" indent="-227160">
               <a:lnSpc>
                 <a:spcPct val="120000"/>
               </a:lnSpc>
@@ -5832,6 +5811,7 @@
                   <a:srgbClr val="000000"/>
                 </a:solidFill>
                 <a:latin typeface="Grandview Display"/>
+                <a:ea typeface="DejaVu Sans"/>
               </a:rPr>
               <a:t>HV’s std is offset from that of HH,</a:t>
             </a:r>
@@ -5857,6 +5837,7 @@
                   <a:srgbClr val="000000"/>
                 </a:solidFill>
                 <a:latin typeface="Grandview Display"/>
+                <a:ea typeface="DejaVu Sans"/>
               </a:rPr>
               <a:t>   </a:t>
             </a:r>
@@ -5866,6 +5847,7 @@
                   <a:srgbClr val="000000"/>
                 </a:solidFill>
                 <a:latin typeface="Grandview Display"/>
+                <a:ea typeface="DejaVu Sans"/>
               </a:rPr>
               <a:t>we don't use HV.</a:t>
             </a:r>
@@ -5888,7 +5870,7 @@
         <p:spPr>
           <a:xfrm>
             <a:off x="2791080" y="4220280"/>
-            <a:ext cx="3304080" cy="2202480"/>
+            <a:ext cx="3303360" cy="2201760"/>
           </a:xfrm>
           <a:prstGeom prst="rect">
             <a:avLst/>
@@ -5937,7 +5919,7 @@
         <p:spPr>
           <a:xfrm>
             <a:off x="914400" y="1371600"/>
-            <a:ext cx="10362600" cy="1313640"/>
+            <a:ext cx="10361880" cy="1312920"/>
           </a:xfrm>
           <a:prstGeom prst="rect">
             <a:avLst/>
@@ -5969,6 +5951,7 @@
                   <a:srgbClr val="000000"/>
                 </a:solidFill>
                 <a:latin typeface="Grandview Display"/>
+                <a:ea typeface="DejaVu Sans"/>
               </a:rPr>
               <a:t>max(RCS) comparison</a:t>
             </a:r>
@@ -5991,7 +5974,7 @@
         <p:spPr>
           <a:xfrm>
             <a:off x="1059480" y="2849400"/>
-            <a:ext cx="4814280" cy="3209040"/>
+            <a:ext cx="4813560" cy="3208320"/>
           </a:xfrm>
           <a:prstGeom prst="rect">
             <a:avLst/>
@@ -6010,7 +5993,7 @@
         <p:spPr>
           <a:xfrm>
             <a:off x="6172200" y="2849400"/>
-            <a:ext cx="5104800" cy="3209760"/>
+            <a:ext cx="5104080" cy="3209040"/>
           </a:xfrm>
           <a:prstGeom prst="rect">
             <a:avLst/>
@@ -6031,7 +6014,7 @@
             <a:noAutofit/>
           </a:bodyPr>
           <a:p>
-            <a:pPr marL="228600" indent="-227880">
+            <a:pPr marL="228600" indent="-227160">
               <a:lnSpc>
                 <a:spcPct val="120000"/>
               </a:lnSpc>
@@ -6051,6 +6034,7 @@
                   <a:srgbClr val="000000"/>
                 </a:solidFill>
                 <a:latin typeface="Grandview Display"/>
+                <a:ea typeface="DejaVu Sans"/>
               </a:rPr>
               <a:t>max(RCS) is used to distinguish groups and/or single drones</a:t>
             </a:r>
@@ -6099,7 +6083,7 @@
         <p:spPr>
           <a:xfrm>
             <a:off x="914400" y="1371600"/>
-            <a:ext cx="10362600" cy="1313640"/>
+            <a:ext cx="10361880" cy="1312920"/>
           </a:xfrm>
           <a:prstGeom prst="rect">
             <a:avLst/>
@@ -6131,6 +6115,7 @@
                   <a:srgbClr val="000000"/>
                 </a:solidFill>
                 <a:latin typeface="Grandview Display"/>
+                <a:ea typeface="DejaVu Sans"/>
               </a:rPr>
               <a:t>Classifiers - Groups</a:t>
             </a:r>
@@ -6153,7 +6138,7 @@
         <p:spPr>
           <a:xfrm>
             <a:off x="779400" y="2153520"/>
-            <a:ext cx="2174040" cy="1449000"/>
+            <a:ext cx="2173320" cy="1448280"/>
           </a:xfrm>
           <a:prstGeom prst="rect">
             <a:avLst/>
@@ -6172,7 +6157,7 @@
         <p:spPr>
           <a:xfrm>
             <a:off x="6095880" y="2153520"/>
-            <a:ext cx="5104800" cy="1730160"/>
+            <a:ext cx="5104080" cy="1729440"/>
           </a:xfrm>
           <a:prstGeom prst="rect">
             <a:avLst/>
@@ -6193,7 +6178,7 @@
             <a:normAutofit/>
           </a:bodyPr>
           <a:p>
-            <a:pPr marL="228600" indent="-227880">
+            <a:pPr marL="228600" indent="-227160">
               <a:lnSpc>
                 <a:spcPct val="120000"/>
               </a:lnSpc>
@@ -6213,6 +6198,7 @@
                   <a:srgbClr val="000000"/>
                 </a:solidFill>
                 <a:latin typeface="Grandview Display"/>
+                <a:ea typeface="DejaVu Sans"/>
               </a:rPr>
               <a:t>The std has very little influence on the results, so it can be excluded</a:t>
             </a:r>
@@ -6235,7 +6221,7 @@
         <p:spPr>
           <a:xfrm>
             <a:off x="3475800" y="2153520"/>
-            <a:ext cx="2174040" cy="1449000"/>
+            <a:ext cx="2173320" cy="1448280"/>
           </a:xfrm>
           <a:prstGeom prst="rect">
             <a:avLst/>
@@ -6258,7 +6244,7 @@
         <p:spPr>
           <a:xfrm>
             <a:off x="781560" y="3660120"/>
-            <a:ext cx="2174040" cy="1449000"/>
+            <a:ext cx="2173320" cy="1448280"/>
           </a:xfrm>
           <a:prstGeom prst="rect">
             <a:avLst/>
@@ -6281,7 +6267,7 @@
         <p:spPr>
           <a:xfrm>
             <a:off x="3475800" y="3660120"/>
-            <a:ext cx="2174040" cy="1449000"/>
+            <a:ext cx="2173320" cy="1448280"/>
           </a:xfrm>
           <a:prstGeom prst="rect">
             <a:avLst/>
@@ -6304,7 +6290,7 @@
         <p:spPr>
           <a:xfrm>
             <a:off x="779400" y="5186520"/>
-            <a:ext cx="2174040" cy="1449000"/>
+            <a:ext cx="2173320" cy="1448280"/>
           </a:xfrm>
           <a:prstGeom prst="rect">
             <a:avLst/>
@@ -6327,7 +6313,7 @@
         <p:spPr>
           <a:xfrm>
             <a:off x="3475800" y="5186520"/>
-            <a:ext cx="2174040" cy="1449000"/>
+            <a:ext cx="2173320" cy="1448280"/>
           </a:xfrm>
           <a:prstGeom prst="rect">
             <a:avLst/>
@@ -6824,7 +6810,7 @@
                           </a:solidFill>
                           <a:latin typeface="Grandview Display"/>
                         </a:rPr>
-                        <a:t>1,0</a:t>
+                        <a:t>0,94</a:t>
                       </a:r>
                       <a:endParaRPr b="0" lang="it-IT" sz="1800" spc="-1" strike="noStrike">
                         <a:latin typeface="Arial"/>
@@ -6873,7 +6859,7 @@
                           </a:solidFill>
                           <a:latin typeface="Grandview Display"/>
                         </a:rPr>
-                        <a:t>1,0</a:t>
+                        <a:t>0,925</a:t>
                       </a:r>
                       <a:endParaRPr b="0" lang="it-IT" sz="1800" spc="-1" strike="noStrike">
                         <a:latin typeface="Arial"/>
@@ -7065,11 +7051,10 @@
                         </a:lnSpc>
                       </a:pPr>
                       <a:r>
-                        <a:rPr b="0" lang="it-IT" sz="1800" spc="-1" strike="noStrike" u="sng">
+                        <a:rPr b="0" lang="it-IT" sz="1800" spc="-1" strike="noStrike">
                           <a:solidFill>
                             <a:srgbClr val="000000"/>
                           </a:solidFill>
-                          <a:uFillTx/>
                           <a:latin typeface="Grandview Display"/>
                         </a:rPr>
                         <a:t>0,9</a:t>
@@ -7368,7 +7353,7 @@
                           </a:solidFill>
                           <a:latin typeface="Grandview Display"/>
                         </a:rPr>
-                        <a:t>1,0</a:t>
+                        <a:t>0,925</a:t>
                       </a:r>
                       <a:endParaRPr b="0" lang="it-IT" sz="1800" spc="-1" strike="noStrike">
                         <a:latin typeface="Arial"/>
@@ -7466,7 +7451,7 @@
                           </a:solidFill>
                           <a:latin typeface="Grandview Display"/>
                         </a:rPr>
-                        <a:t>1,0</a:t>
+                        <a:t>0,975</a:t>
                       </a:r>
                       <a:endParaRPr b="0" lang="it-IT" sz="1800" spc="-1" strike="noStrike">
                         <a:latin typeface="Arial"/>

--- a/Presentation/Presentation.pptx
+++ b/Presentation/Presentation.pptx
@@ -3097,8 +3097,8 @@
         </p:nvSpPr>
         <p:spPr>
           <a:xfrm>
-            <a:off x="912600" y="1371600"/>
-            <a:ext cx="5934240" cy="2695320"/>
+            <a:off x="609480" y="273600"/>
+            <a:ext cx="10972080" cy="1144440"/>
           </a:xfrm>
           <a:prstGeom prst="rect">
             <a:avLst/>
@@ -3134,7 +3134,7 @@
         <p:spPr>
           <a:xfrm>
             <a:off x="609480" y="1604520"/>
-            <a:ext cx="5353920" cy="3976560"/>
+            <a:ext cx="5353920" cy="3976920"/>
           </a:xfrm>
           <a:prstGeom prst="rect">
             <a:avLst/>
@@ -3313,7 +3313,7 @@
         <p:spPr>
           <a:xfrm>
             <a:off x="6231960" y="1604520"/>
-            <a:ext cx="5353920" cy="3976560"/>
+            <a:ext cx="5353920" cy="3976920"/>
           </a:xfrm>
           <a:prstGeom prst="rect">
             <a:avLst/>
@@ -3565,7 +3565,7 @@
         <p:spPr>
           <a:xfrm>
             <a:off x="0" y="0"/>
-            <a:ext cx="12190680" cy="6856560"/>
+            <a:ext cx="12190320" cy="6856200"/>
           </a:xfrm>
           <a:prstGeom prst="rect">
             <a:avLst/>
@@ -3606,7 +3606,7 @@
         <p:spPr>
           <a:xfrm>
             <a:off x="0" y="0"/>
-            <a:ext cx="6510960" cy="6856560"/>
+            <a:ext cx="6510600" cy="6856200"/>
           </a:xfrm>
           <a:prstGeom prst="rect">
             <a:avLst/>
@@ -3658,7 +3658,7 @@
         <p:spPr>
           <a:xfrm>
             <a:off x="7353000" y="1266840"/>
-            <a:ext cx="3923280" cy="4673520"/>
+            <a:ext cx="3922920" cy="4673160"/>
           </a:xfrm>
           <a:prstGeom prst="rect">
             <a:avLst/>
@@ -3707,7 +3707,7 @@
               </a:tabLst>
             </a:pPr>
             <a:r>
-              <a:rPr b="1" lang="en-US" sz="1300" spc="290" strike="noStrike" cap="all">
+              <a:rPr b="1" lang="en-US" sz="1300" spc="287" strike="noStrike" cap="all">
                 <a:solidFill>
                   <a:srgbClr val="000000"/>
                 </a:solidFill>
@@ -3718,7 +3718,7 @@
             </a:r>
             <a:br/>
             <a:r>
-              <a:rPr b="1" lang="en-US" sz="1500" spc="290" strike="noStrike" cap="all">
+              <a:rPr b="1" lang="en-US" sz="1500" spc="287" strike="noStrike" cap="all">
                 <a:solidFill>
                   <a:srgbClr val="000000"/>
                 </a:solidFill>
@@ -3730,7 +3730,7 @@
             <a:br/>
             <a:br/>
             <a:r>
-              <a:rPr b="1" lang="en-US" sz="1800" spc="290" strike="noStrike" cap="all">
+              <a:rPr b="1" lang="en-US" sz="1800" spc="287" strike="noStrike" cap="all">
                 <a:solidFill>
                   <a:srgbClr val="000000"/>
                 </a:solidFill>
@@ -3804,7 +3804,7 @@
               </a:tabLst>
             </a:pPr>
             <a:r>
-              <a:rPr b="1" lang="en-US" sz="1400" spc="290" strike="noStrike" cap="all">
+              <a:rPr b="1" lang="en-US" sz="1400" spc="287" strike="noStrike" cap="all">
                 <a:solidFill>
                   <a:srgbClr val="000000"/>
                 </a:solidFill>
@@ -3830,7 +3830,7 @@
               </a:tabLst>
             </a:pPr>
             <a:r>
-              <a:rPr b="1" lang="en-US" sz="1400" spc="290" strike="noStrike" cap="all">
+              <a:rPr b="1" lang="en-US" sz="1400" spc="287" strike="noStrike" cap="all">
                 <a:solidFill>
                   <a:srgbClr val="000000"/>
                 </a:solidFill>
@@ -3856,7 +3856,7 @@
               </a:tabLst>
             </a:pPr>
             <a:r>
-              <a:rPr b="1" lang="en-US" sz="1400" spc="290" strike="noStrike" cap="all">
+              <a:rPr b="1" lang="en-US" sz="1400" spc="287" strike="noStrike" cap="all">
                 <a:solidFill>
                   <a:srgbClr val="000000"/>
                 </a:solidFill>
@@ -3882,7 +3882,7 @@
               </a:tabLst>
             </a:pPr>
             <a:r>
-              <a:rPr b="1" lang="en-US" sz="1400" spc="290" strike="noStrike" u="sng" cap="all">
+              <a:rPr b="1" lang="en-US" sz="1400" spc="287" strike="noStrike" u="sng" cap="all">
                 <a:solidFill>
                   <a:srgbClr val="5265c5"/>
                 </a:solidFill>
@@ -3938,7 +3938,7 @@
         <p:spPr>
           <a:xfrm>
             <a:off x="914400" y="1371600"/>
-            <a:ext cx="10361880" cy="1312920"/>
+            <a:ext cx="10361520" cy="1312560"/>
           </a:xfrm>
           <a:prstGeom prst="rect">
             <a:avLst/>
@@ -3993,7 +3993,7 @@
         <p:spPr>
           <a:xfrm>
             <a:off x="914400" y="2980800"/>
-            <a:ext cx="3292200" cy="2194200"/>
+            <a:ext cx="3291840" cy="2193840"/>
           </a:xfrm>
           <a:prstGeom prst="rect">
             <a:avLst/>
@@ -4016,7 +4016,7 @@
         <p:spPr>
           <a:xfrm>
             <a:off x="4449240" y="2980800"/>
-            <a:ext cx="3292200" cy="2194200"/>
+            <a:ext cx="3291840" cy="2193840"/>
           </a:xfrm>
           <a:prstGeom prst="rect">
             <a:avLst/>
@@ -4039,7 +4039,7 @@
         <p:spPr>
           <a:xfrm>
             <a:off x="7983720" y="2980800"/>
-            <a:ext cx="3292200" cy="2194200"/>
+            <a:ext cx="3291840" cy="2193840"/>
           </a:xfrm>
           <a:prstGeom prst="rect">
             <a:avLst/>
@@ -4058,7 +4058,7 @@
         <p:spPr>
           <a:xfrm>
             <a:off x="1317240" y="5408640"/>
-            <a:ext cx="3292200" cy="638280"/>
+            <a:ext cx="3291840" cy="638280"/>
           </a:xfrm>
           <a:prstGeom prst="rect">
             <a:avLst/>
@@ -4129,7 +4129,7 @@
         <p:spPr>
           <a:xfrm>
             <a:off x="4851720" y="5408640"/>
-            <a:ext cx="3292200" cy="638280"/>
+            <a:ext cx="3291840" cy="638280"/>
           </a:xfrm>
           <a:prstGeom prst="rect">
             <a:avLst/>
@@ -4200,7 +4200,7 @@
         <p:spPr>
           <a:xfrm>
             <a:off x="8386560" y="5408640"/>
-            <a:ext cx="3292200" cy="638280"/>
+            <a:ext cx="3291840" cy="638280"/>
           </a:xfrm>
           <a:prstGeom prst="rect">
             <a:avLst/>
@@ -4306,7 +4306,7 @@
         <p:spPr>
           <a:xfrm>
             <a:off x="0" y="0"/>
-            <a:ext cx="6510960" cy="6856560"/>
+            <a:ext cx="6510600" cy="6856200"/>
           </a:xfrm>
           <a:prstGeom prst="rect">
             <a:avLst/>
@@ -4325,7 +4325,7 @@
         <p:spPr>
           <a:xfrm>
             <a:off x="7353000" y="1266840"/>
-            <a:ext cx="3923280" cy="4673520"/>
+            <a:ext cx="3922920" cy="4673160"/>
           </a:xfrm>
           <a:prstGeom prst="rect">
             <a:avLst/>
@@ -4374,7 +4374,7 @@
               </a:tabLst>
             </a:pPr>
             <a:r>
-              <a:rPr b="1" lang="en-US" sz="1300" spc="290" strike="noStrike" cap="all">
+              <a:rPr b="1" lang="en-US" sz="1300" spc="287" strike="noStrike" cap="all">
                 <a:solidFill>
                   <a:srgbClr val="000000"/>
                 </a:solidFill>
@@ -4385,7 +4385,7 @@
             </a:r>
             <a:br/>
             <a:r>
-              <a:rPr b="1" lang="en-US" sz="1500" spc="290" strike="noStrike" cap="all">
+              <a:rPr b="1" lang="en-US" sz="1500" spc="287" strike="noStrike" cap="all">
                 <a:solidFill>
                   <a:srgbClr val="000000"/>
                 </a:solidFill>
@@ -4397,7 +4397,7 @@
             <a:br/>
             <a:br/>
             <a:r>
-              <a:rPr b="1" lang="en-US" sz="1800" spc="290" strike="noStrike" cap="all">
+              <a:rPr b="1" lang="en-US" sz="1800" spc="287" strike="noStrike" cap="all">
                 <a:solidFill>
                   <a:srgbClr val="000000"/>
                 </a:solidFill>
@@ -4471,7 +4471,7 @@
               </a:tabLst>
             </a:pPr>
             <a:r>
-              <a:rPr b="1" lang="en-US" sz="1400" spc="290" strike="noStrike" cap="all">
+              <a:rPr b="1" lang="en-US" sz="1400" spc="287" strike="noStrike" cap="all">
                 <a:solidFill>
                   <a:srgbClr val="000000"/>
                 </a:solidFill>
@@ -4497,7 +4497,7 @@
               </a:tabLst>
             </a:pPr>
             <a:r>
-              <a:rPr b="1" lang="en-US" sz="1400" spc="290" strike="noStrike" cap="all">
+              <a:rPr b="1" lang="en-US" sz="1400" spc="287" strike="noStrike" cap="all">
                 <a:solidFill>
                   <a:srgbClr val="000000"/>
                 </a:solidFill>
@@ -4523,7 +4523,7 @@
               </a:tabLst>
             </a:pPr>
             <a:r>
-              <a:rPr b="1" lang="en-US" sz="1400" spc="290" strike="noStrike" cap="all">
+              <a:rPr b="1" lang="en-US" sz="1400" spc="287" strike="noStrike" cap="all">
                 <a:solidFill>
                   <a:srgbClr val="000000"/>
                 </a:solidFill>
@@ -4549,7 +4549,7 @@
               </a:tabLst>
             </a:pPr>
             <a:r>
-              <a:rPr b="1" lang="en-US" sz="1400" spc="290" strike="noStrike" u="sng" cap="all">
+              <a:rPr b="1" lang="en-US" sz="1400" spc="287" strike="noStrike" u="sng" cap="all">
                 <a:solidFill>
                   <a:srgbClr val="5265c5"/>
                 </a:solidFill>
@@ -4605,7 +4605,7 @@
         <p:spPr>
           <a:xfrm>
             <a:off x="914400" y="1371600"/>
-            <a:ext cx="10361880" cy="1312920"/>
+            <a:ext cx="10361520" cy="1312560"/>
           </a:xfrm>
           <a:prstGeom prst="rect">
             <a:avLst/>
@@ -4656,7 +4656,7 @@
         <p:spPr>
           <a:xfrm>
             <a:off x="914400" y="2849400"/>
-            <a:ext cx="10361880" cy="3209040"/>
+            <a:ext cx="10361520" cy="3208680"/>
           </a:xfrm>
           <a:prstGeom prst="rect">
             <a:avLst/>
@@ -4677,7 +4677,7 @@
             <a:noAutofit/>
           </a:bodyPr>
           <a:p>
-            <a:pPr marL="228600" indent="-227160">
+            <a:pPr marL="228600" indent="-226800">
               <a:lnSpc>
                 <a:spcPct val="120000"/>
               </a:lnSpc>
@@ -4719,7 +4719,7 @@
             </a:endParaRPr>
           </a:p>
           <a:p>
-            <a:pPr marL="228600" indent="-227160">
+            <a:pPr marL="228600" indent="-226800">
               <a:lnSpc>
                 <a:spcPct val="120000"/>
               </a:lnSpc>
@@ -4788,7 +4788,7 @@
         <p:spPr>
           <a:xfrm>
             <a:off x="914400" y="1371600"/>
-            <a:ext cx="10361880" cy="1312920"/>
+            <a:ext cx="10361520" cy="1312560"/>
           </a:xfrm>
           <a:prstGeom prst="rect">
             <a:avLst/>
@@ -4843,7 +4843,7 @@
         <p:spPr>
           <a:xfrm>
             <a:off x="2569680" y="2426040"/>
-            <a:ext cx="7050960" cy="4187160"/>
+            <a:ext cx="7050600" cy="4186800"/>
           </a:xfrm>
           <a:prstGeom prst="rect">
             <a:avLst/>
@@ -4892,7 +4892,7 @@
         <p:spPr>
           <a:xfrm>
             <a:off x="914400" y="1371600"/>
-            <a:ext cx="10361880" cy="1312920"/>
+            <a:ext cx="10361520" cy="1312560"/>
           </a:xfrm>
           <a:prstGeom prst="rect">
             <a:avLst/>
@@ -4947,7 +4947,7 @@
         <p:spPr>
           <a:xfrm>
             <a:off x="1059480" y="2849400"/>
-            <a:ext cx="4813560" cy="3208320"/>
+            <a:ext cx="4813200" cy="3207960"/>
           </a:xfrm>
           <a:prstGeom prst="rect">
             <a:avLst/>
@@ -4966,7 +4966,7 @@
         <p:spPr>
           <a:xfrm>
             <a:off x="6172200" y="2849400"/>
-            <a:ext cx="5104080" cy="3209040"/>
+            <a:ext cx="5103720" cy="3208680"/>
           </a:xfrm>
           <a:prstGeom prst="rect">
             <a:avLst/>
@@ -4987,7 +4987,7 @@
             <a:normAutofit fontScale="85000"/>
           </a:bodyPr>
           <a:p>
-            <a:pPr marL="228600" indent="-227160">
+            <a:pPr marL="228600" indent="-226800">
               <a:lnSpc>
                 <a:spcPct val="120000"/>
               </a:lnSpc>
@@ -5016,7 +5016,7 @@
             </a:endParaRPr>
           </a:p>
           <a:p>
-            <a:pPr marL="228600" indent="-227160">
+            <a:pPr marL="228600" indent="-226800">
               <a:lnSpc>
                 <a:spcPct val="120000"/>
               </a:lnSpc>
@@ -5055,7 +5055,7 @@
             </a:endParaRPr>
           </a:p>
           <a:p>
-            <a:pPr marL="228600" indent="-227160">
+            <a:pPr marL="228600" indent="-226800">
               <a:lnSpc>
                 <a:spcPct val="120000"/>
               </a:lnSpc>
@@ -5124,7 +5124,7 @@
         <p:spPr>
           <a:xfrm>
             <a:off x="914400" y="1371600"/>
-            <a:ext cx="10361880" cy="1312920"/>
+            <a:ext cx="10361520" cy="1312560"/>
           </a:xfrm>
           <a:prstGeom prst="rect">
             <a:avLst/>
@@ -5179,7 +5179,7 @@
         <p:spPr>
           <a:xfrm>
             <a:off x="1059480" y="2849400"/>
-            <a:ext cx="4813560" cy="3208320"/>
+            <a:ext cx="4813200" cy="3207960"/>
           </a:xfrm>
           <a:prstGeom prst="rect">
             <a:avLst/>
@@ -5198,7 +5198,7 @@
         <p:spPr>
           <a:xfrm>
             <a:off x="6172200" y="2849400"/>
-            <a:ext cx="5104080" cy="3209040"/>
+            <a:ext cx="5103720" cy="3208680"/>
           </a:xfrm>
           <a:prstGeom prst="rect">
             <a:avLst/>
@@ -5219,7 +5219,7 @@
             <a:noAutofit/>
           </a:bodyPr>
           <a:p>
-            <a:pPr marL="228600" indent="-227160">
+            <a:pPr marL="228600" indent="-226800">
               <a:lnSpc>
                 <a:spcPct val="120000"/>
               </a:lnSpc>
@@ -5248,7 +5248,7 @@
             </a:endParaRPr>
           </a:p>
           <a:p>
-            <a:pPr marL="228600" indent="-227160">
+            <a:pPr marL="228600" indent="-226800">
               <a:lnSpc>
                 <a:spcPct val="120000"/>
               </a:lnSpc>
@@ -5277,7 +5277,7 @@
             </a:endParaRPr>
           </a:p>
           <a:p>
-            <a:pPr marL="228600" indent="-227160">
+            <a:pPr marL="228600" indent="-226800">
               <a:lnSpc>
                 <a:spcPct val="120000"/>
               </a:lnSpc>
@@ -5356,7 +5356,7 @@
         <p:spPr>
           <a:xfrm>
             <a:off x="914400" y="1371600"/>
-            <a:ext cx="10361880" cy="1312920"/>
+            <a:ext cx="10361520" cy="1312560"/>
           </a:xfrm>
           <a:prstGeom prst="rect">
             <a:avLst/>
@@ -5411,7 +5411,7 @@
         <p:spPr>
           <a:xfrm>
             <a:off x="0" y="3898080"/>
-            <a:ext cx="2630160" cy="1753200"/>
+            <a:ext cx="2629800" cy="1752840"/>
           </a:xfrm>
           <a:prstGeom prst="rect">
             <a:avLst/>
@@ -5434,7 +5434,7 @@
         <p:spPr>
           <a:xfrm>
             <a:off x="2405880" y="3898080"/>
-            <a:ext cx="2630160" cy="1753200"/>
+            <a:ext cx="2629800" cy="1752840"/>
           </a:xfrm>
           <a:prstGeom prst="rect">
             <a:avLst/>
@@ -5457,7 +5457,7 @@
         <p:spPr>
           <a:xfrm>
             <a:off x="4811400" y="3898080"/>
-            <a:ext cx="2630160" cy="1753200"/>
+            <a:ext cx="2629800" cy="1752840"/>
           </a:xfrm>
           <a:prstGeom prst="rect">
             <a:avLst/>
@@ -5480,7 +5480,7 @@
         <p:spPr>
           <a:xfrm>
             <a:off x="7217280" y="3898080"/>
-            <a:ext cx="2630160" cy="1753200"/>
+            <a:ext cx="2629800" cy="1752840"/>
           </a:xfrm>
           <a:prstGeom prst="rect">
             <a:avLst/>
@@ -5503,7 +5503,7 @@
         <p:spPr>
           <a:xfrm>
             <a:off x="9623160" y="3898080"/>
-            <a:ext cx="2630160" cy="1753200"/>
+            <a:ext cx="2629800" cy="1752840"/>
           </a:xfrm>
           <a:prstGeom prst="rect">
             <a:avLst/>
@@ -5526,7 +5526,7 @@
         <p:spPr>
           <a:xfrm>
             <a:off x="0" y="2067840"/>
-            <a:ext cx="2630160" cy="1753200"/>
+            <a:ext cx="2629800" cy="1752840"/>
           </a:xfrm>
           <a:prstGeom prst="rect">
             <a:avLst/>
@@ -5549,7 +5549,7 @@
         <p:spPr>
           <a:xfrm>
             <a:off x="2405880" y="2067840"/>
-            <a:ext cx="2630160" cy="1753200"/>
+            <a:ext cx="2629800" cy="1752840"/>
           </a:xfrm>
           <a:prstGeom prst="rect">
             <a:avLst/>
@@ -5572,7 +5572,7 @@
         <p:spPr>
           <a:xfrm>
             <a:off x="4811400" y="2067840"/>
-            <a:ext cx="2630160" cy="1753200"/>
+            <a:ext cx="2629800" cy="1752840"/>
           </a:xfrm>
           <a:prstGeom prst="rect">
             <a:avLst/>
@@ -5595,7 +5595,7 @@
         <p:spPr>
           <a:xfrm>
             <a:off x="7217280" y="2067840"/>
-            <a:ext cx="2630160" cy="1753200"/>
+            <a:ext cx="2629800" cy="1752840"/>
           </a:xfrm>
           <a:prstGeom prst="rect">
             <a:avLst/>
@@ -5618,7 +5618,7 @@
         <p:spPr>
           <a:xfrm>
             <a:off x="9623160" y="2067840"/>
-            <a:ext cx="2630160" cy="1753200"/>
+            <a:ext cx="2629800" cy="1752840"/>
           </a:xfrm>
           <a:prstGeom prst="rect">
             <a:avLst/>
@@ -5667,7 +5667,7 @@
         <p:spPr>
           <a:xfrm>
             <a:off x="914400" y="1220040"/>
-            <a:ext cx="10361880" cy="1312920"/>
+            <a:ext cx="10361520" cy="1312560"/>
           </a:xfrm>
           <a:prstGeom prst="rect">
             <a:avLst/>
@@ -5722,7 +5722,7 @@
         <p:spPr>
           <a:xfrm>
             <a:off x="172080" y="2251440"/>
-            <a:ext cx="3303360" cy="2201760"/>
+            <a:ext cx="3303000" cy="2201400"/>
           </a:xfrm>
           <a:prstGeom prst="rect">
             <a:avLst/>
@@ -5741,7 +5741,7 @@
         <p:spPr>
           <a:xfrm>
             <a:off x="6172200" y="2849400"/>
-            <a:ext cx="5104080" cy="3209040"/>
+            <a:ext cx="5103720" cy="3208680"/>
           </a:xfrm>
           <a:prstGeom prst="rect">
             <a:avLst/>
@@ -5762,7 +5762,7 @@
             <a:normAutofit/>
           </a:bodyPr>
           <a:p>
-            <a:pPr marL="228600" indent="-227160">
+            <a:pPr marL="228600" indent="-226800">
               <a:lnSpc>
                 <a:spcPct val="120000"/>
               </a:lnSpc>
@@ -5791,7 +5791,7 @@
             </a:endParaRPr>
           </a:p>
           <a:p>
-            <a:pPr marL="228600" indent="-227160">
+            <a:pPr marL="228600" indent="-226800">
               <a:lnSpc>
                 <a:spcPct val="120000"/>
               </a:lnSpc>
@@ -5870,7 +5870,7 @@
         <p:spPr>
           <a:xfrm>
             <a:off x="2791080" y="4220280"/>
-            <a:ext cx="3303360" cy="2201760"/>
+            <a:ext cx="3303000" cy="2201400"/>
           </a:xfrm>
           <a:prstGeom prst="rect">
             <a:avLst/>
@@ -5919,7 +5919,7 @@
         <p:spPr>
           <a:xfrm>
             <a:off x="914400" y="1371600"/>
-            <a:ext cx="10361880" cy="1312920"/>
+            <a:ext cx="10361520" cy="1312560"/>
           </a:xfrm>
           <a:prstGeom prst="rect">
             <a:avLst/>
@@ -5974,7 +5974,7 @@
         <p:spPr>
           <a:xfrm>
             <a:off x="1059480" y="2849400"/>
-            <a:ext cx="4813560" cy="3208320"/>
+            <a:ext cx="4813200" cy="3207960"/>
           </a:xfrm>
           <a:prstGeom prst="rect">
             <a:avLst/>
@@ -5993,7 +5993,7 @@
         <p:spPr>
           <a:xfrm>
             <a:off x="6172200" y="2849400"/>
-            <a:ext cx="5104080" cy="3209040"/>
+            <a:ext cx="5103720" cy="3208680"/>
           </a:xfrm>
           <a:prstGeom prst="rect">
             <a:avLst/>
@@ -6014,7 +6014,7 @@
             <a:noAutofit/>
           </a:bodyPr>
           <a:p>
-            <a:pPr marL="228600" indent="-227160">
+            <a:pPr marL="228600" indent="-226800">
               <a:lnSpc>
                 <a:spcPct val="120000"/>
               </a:lnSpc>
@@ -6083,7 +6083,7 @@
         <p:spPr>
           <a:xfrm>
             <a:off x="914400" y="1371600"/>
-            <a:ext cx="10361880" cy="1312920"/>
+            <a:ext cx="10361520" cy="1312560"/>
           </a:xfrm>
           <a:prstGeom prst="rect">
             <a:avLst/>
@@ -6138,7 +6138,7 @@
         <p:spPr>
           <a:xfrm>
             <a:off x="779400" y="2153520"/>
-            <a:ext cx="2173320" cy="1448280"/>
+            <a:ext cx="2172960" cy="1447920"/>
           </a:xfrm>
           <a:prstGeom prst="rect">
             <a:avLst/>
@@ -6157,7 +6157,7 @@
         <p:spPr>
           <a:xfrm>
             <a:off x="6095880" y="2153520"/>
-            <a:ext cx="5104080" cy="1729440"/>
+            <a:ext cx="5103720" cy="1729080"/>
           </a:xfrm>
           <a:prstGeom prst="rect">
             <a:avLst/>
@@ -6178,7 +6178,7 @@
             <a:normAutofit/>
           </a:bodyPr>
           <a:p>
-            <a:pPr marL="228600" indent="-227160">
+            <a:pPr marL="228600" indent="-226800">
               <a:lnSpc>
                 <a:spcPct val="120000"/>
               </a:lnSpc>
@@ -6221,7 +6221,7 @@
         <p:spPr>
           <a:xfrm>
             <a:off x="3475800" y="2153520"/>
-            <a:ext cx="2173320" cy="1448280"/>
+            <a:ext cx="2172960" cy="1447920"/>
           </a:xfrm>
           <a:prstGeom prst="rect">
             <a:avLst/>
@@ -6244,7 +6244,7 @@
         <p:spPr>
           <a:xfrm>
             <a:off x="781560" y="3660120"/>
-            <a:ext cx="2173320" cy="1448280"/>
+            <a:ext cx="2172960" cy="1447920"/>
           </a:xfrm>
           <a:prstGeom prst="rect">
             <a:avLst/>
@@ -6267,7 +6267,7 @@
         <p:spPr>
           <a:xfrm>
             <a:off x="3475800" y="3660120"/>
-            <a:ext cx="2173320" cy="1448280"/>
+            <a:ext cx="2172960" cy="1447920"/>
           </a:xfrm>
           <a:prstGeom prst="rect">
             <a:avLst/>
@@ -6290,7 +6290,7 @@
         <p:spPr>
           <a:xfrm>
             <a:off x="779400" y="5186520"/>
-            <a:ext cx="2173320" cy="1448280"/>
+            <a:ext cx="2172960" cy="1447920"/>
           </a:xfrm>
           <a:prstGeom prst="rect">
             <a:avLst/>
@@ -6313,7 +6313,7 @@
         <p:spPr>
           <a:xfrm>
             <a:off x="3475800" y="5186520"/>
-            <a:ext cx="2173320" cy="1448280"/>
+            <a:ext cx="2172960" cy="1447920"/>
           </a:xfrm>
           <a:prstGeom prst="rect">
             <a:avLst/>
